--- a/Prima Presentazione.pptx
+++ b/Prima Presentazione.pptx
@@ -267,7 +267,7 @@
           <a:p>
             <a:fld id="{81B8F32D-D8B6-4B9E-9CBF-DCAC30B7B93D}" type="datetimeFigureOut">
               <a:rPr lang="en-US" smtClean="0"/>
-              <a:t>11/15/2022</a:t>
+              <a:t>11/18/2022</a:t>
             </a:fld>
             <a:endParaRPr lang="en-US"/>
           </a:p>
@@ -583,7 +583,7 @@
           <a:p>
             <a:fld id="{81B8F32D-D8B6-4B9E-9CBF-DCAC30B7B93D}" type="datetimeFigureOut">
               <a:rPr lang="en-US" smtClean="0"/>
-              <a:t>11/15/2022</a:t>
+              <a:t>11/18/2022</a:t>
             </a:fld>
             <a:endParaRPr lang="en-US"/>
           </a:p>
@@ -888,7 +888,7 @@
           <a:p>
             <a:fld id="{81B8F32D-D8B6-4B9E-9CBF-DCAC30B7B93D}" type="datetimeFigureOut">
               <a:rPr lang="en-US" smtClean="0"/>
-              <a:t>11/15/2022</a:t>
+              <a:t>11/18/2022</a:t>
             </a:fld>
             <a:endParaRPr lang="en-US"/>
           </a:p>
@@ -1095,7 +1095,7 @@
           <a:p>
             <a:fld id="{81B8F32D-D8B6-4B9E-9CBF-DCAC30B7B93D}" type="datetimeFigureOut">
               <a:rPr lang="en-US" smtClean="0"/>
-              <a:t>11/15/2022</a:t>
+              <a:t>11/18/2022</a:t>
             </a:fld>
             <a:endParaRPr lang="en-US"/>
           </a:p>
@@ -1443,7 +1443,7 @@
           <a:p>
             <a:fld id="{81B8F32D-D8B6-4B9E-9CBF-DCAC30B7B93D}" type="datetimeFigureOut">
               <a:rPr lang="en-US" smtClean="0"/>
-              <a:t>11/15/2022</a:t>
+              <a:t>11/18/2022</a:t>
             </a:fld>
             <a:endParaRPr lang="en-US"/>
           </a:p>
@@ -1914,7 +1914,7 @@
           <a:p>
             <a:fld id="{81B8F32D-D8B6-4B9E-9CBF-DCAC30B7B93D}" type="datetimeFigureOut">
               <a:rPr lang="en-US" smtClean="0"/>
-              <a:t>11/15/2022</a:t>
+              <a:t>11/18/2022</a:t>
             </a:fld>
             <a:endParaRPr lang="en-US"/>
           </a:p>
@@ -2449,7 +2449,7 @@
           <a:p>
             <a:fld id="{81B8F32D-D8B6-4B9E-9CBF-DCAC30B7B93D}" type="datetimeFigureOut">
               <a:rPr lang="en-US" smtClean="0"/>
-              <a:t>11/15/2022</a:t>
+              <a:t>11/18/2022</a:t>
             </a:fld>
             <a:endParaRPr lang="en-US"/>
           </a:p>
@@ -2666,7 +2666,7 @@
           <a:p>
             <a:fld id="{81B8F32D-D8B6-4B9E-9CBF-DCAC30B7B93D}" type="datetimeFigureOut">
               <a:rPr lang="en-US" smtClean="0"/>
-              <a:t>11/15/2022</a:t>
+              <a:t>11/18/2022</a:t>
             </a:fld>
             <a:endParaRPr lang="en-US"/>
           </a:p>
@@ -2871,7 +2871,7 @@
           <a:p>
             <a:fld id="{81B8F32D-D8B6-4B9E-9CBF-DCAC30B7B93D}" type="datetimeFigureOut">
               <a:rPr lang="en-US" smtClean="0"/>
-              <a:t>11/15/2022</a:t>
+              <a:t>11/18/2022</a:t>
             </a:fld>
             <a:endParaRPr lang="en-US"/>
           </a:p>
@@ -3201,7 +3201,7 @@
           <a:p>
             <a:fld id="{81B8F32D-D8B6-4B9E-9CBF-DCAC30B7B93D}" type="datetimeFigureOut">
               <a:rPr lang="en-US" smtClean="0"/>
-              <a:t>11/15/2022</a:t>
+              <a:t>11/18/2022</a:t>
             </a:fld>
             <a:endParaRPr lang="en-US"/>
           </a:p>
@@ -3511,7 +3511,7 @@
           <a:p>
             <a:fld id="{81B8F32D-D8B6-4B9E-9CBF-DCAC30B7B93D}" type="datetimeFigureOut">
               <a:rPr lang="en-US" smtClean="0"/>
-              <a:t>11/15/2022</a:t>
+              <a:t>11/18/2022</a:t>
             </a:fld>
             <a:endParaRPr lang="en-US"/>
           </a:p>
@@ -3752,7 +3752,7 @@
             <a:fld id="{81B8F32D-D8B6-4B9E-9CBF-DCAC30B7B93D}" type="datetimeFigureOut">
               <a:rPr lang="en-US" smtClean="0"/>
               <a:pPr/>
-              <a:t>11/15/2022</a:t>
+              <a:t>11/18/2022</a:t>
             </a:fld>
             <a:endParaRPr lang="en-US" dirty="0"/>
           </a:p>
@@ -4802,8 +4802,8 @@
         </p:nvSpPr>
         <p:spPr>
           <a:xfrm>
-            <a:off x="1660527" y="1869172"/>
-            <a:ext cx="5560406" cy="537216"/>
+            <a:off x="1660527" y="1869171"/>
+            <a:ext cx="5560406" cy="796627"/>
           </a:xfrm>
         </p:spPr>
         <p:txBody>
@@ -4814,61 +4814,93 @@
           <a:p>
             <a:pPr algn="just"/>
             <a:r>
-              <a:rPr lang="it-IT" sz="1400" dirty="0" err="1"/>
+              <a:rPr lang="it-IT" sz="1200" dirty="0" err="1"/>
               <a:t>Rent</a:t>
             </a:r>
             <a:r>
-              <a:rPr lang="it-IT" sz="1400" dirty="0"/>
+              <a:rPr lang="it-IT" sz="1200" dirty="0"/>
               <a:t>: </a:t>
             </a:r>
             <a:r>
-              <a:rPr lang="it-IT" sz="1400" dirty="0" err="1"/>
+              <a:rPr lang="it-IT" sz="1200" dirty="0" err="1"/>
               <a:t>it</a:t>
             </a:r>
             <a:r>
-              <a:rPr lang="it-IT" sz="1400" dirty="0"/>
+              <a:rPr lang="it-IT" sz="1200" dirty="0"/>
               <a:t> </a:t>
             </a:r>
             <a:r>
-              <a:rPr lang="it-IT" sz="1400" dirty="0" err="1"/>
+              <a:rPr lang="it-IT" sz="1200" dirty="0" err="1"/>
               <a:t>contains</a:t>
             </a:r>
             <a:r>
-              <a:rPr lang="it-IT" sz="1400" dirty="0"/>
+              <a:rPr lang="it-IT" sz="1200" dirty="0"/>
               <a:t> data </a:t>
             </a:r>
             <a:r>
-              <a:rPr lang="it-IT" sz="1400" dirty="0" err="1"/>
+              <a:rPr lang="it-IT" sz="1200" dirty="0" err="1"/>
               <a:t>about</a:t>
             </a:r>
             <a:r>
-              <a:rPr lang="it-IT" sz="1400" dirty="0"/>
+              <a:rPr lang="it-IT" sz="1200" dirty="0"/>
               <a:t> online </a:t>
             </a:r>
             <a:r>
-              <a:rPr lang="it-IT" sz="1400" dirty="0" err="1"/>
+              <a:rPr lang="it-IT" sz="1200" dirty="0" err="1"/>
               <a:t>rent</a:t>
             </a:r>
             <a:r>
-              <a:rPr lang="it-IT" sz="1400" dirty="0"/>
+              <a:rPr lang="it-IT" sz="1200" dirty="0"/>
               <a:t> advertisements in SF </a:t>
             </a:r>
             <a:r>
-              <a:rPr lang="it-IT" sz="1400" dirty="0" err="1"/>
+              <a:rPr lang="it-IT" sz="1200" dirty="0" err="1"/>
               <a:t>taken</a:t>
             </a:r>
             <a:r>
-              <a:rPr lang="it-IT" sz="1400" dirty="0"/>
+              <a:rPr lang="it-IT" sz="1200" dirty="0"/>
               <a:t> from </a:t>
             </a:r>
             <a:r>
-              <a:rPr lang="it-IT" sz="1400" dirty="0" err="1"/>
+              <a:rPr lang="it-IT" sz="1200" dirty="0" err="1"/>
               <a:t>Craiglist</a:t>
             </a:r>
             <a:r>
-              <a:rPr lang="it-IT" sz="1400" dirty="0"/>
+              <a:rPr lang="it-IT" sz="1200" dirty="0"/>
               <a:t>. </a:t>
             </a:r>
+            <a:r>
+              <a:rPr lang="it-IT" sz="1200" dirty="0" err="1"/>
+              <a:t>It</a:t>
+            </a:r>
+            <a:r>
+              <a:rPr lang="it-IT" sz="1200" dirty="0"/>
+              <a:t> </a:t>
+            </a:r>
+            <a:r>
+              <a:rPr lang="it-IT" sz="1200" dirty="0" err="1"/>
+              <a:t>contains</a:t>
+            </a:r>
+            <a:r>
+              <a:rPr lang="it-IT" sz="1200" dirty="0"/>
+              <a:t> 9779 </a:t>
+            </a:r>
+            <a:r>
+              <a:rPr lang="it-IT" sz="1200" dirty="0" err="1"/>
+              <a:t>observations</a:t>
+            </a:r>
+            <a:r>
+              <a:rPr lang="it-IT" sz="1200" dirty="0"/>
+              <a:t> from 2011 to 2018                                                                                                         </a:t>
+            </a:r>
+          </a:p>
+          <a:p>
+            <a:pPr algn="just"/>
+            <a:endParaRPr lang="it-IT" sz="1200" dirty="0"/>
+          </a:p>
+          <a:p>
+            <a:pPr algn="just"/>
+            <a:endParaRPr lang="it-IT" sz="1200" dirty="0"/>
           </a:p>
         </p:txBody>
       </p:sp>
@@ -5099,7 +5131,7 @@
         <p:spPr>
           <a:xfrm>
             <a:off x="1646439" y="3770104"/>
-            <a:ext cx="5560406" cy="1169551"/>
+            <a:ext cx="5560406" cy="830997"/>
           </a:xfrm>
           <a:prstGeom prst="rect">
             <a:avLst/>
@@ -5114,129 +5146,150 @@
           <a:p>
             <a:pPr algn="just"/>
             <a:r>
-              <a:rPr lang="it-IT" sz="1400" dirty="0"/>
+              <a:rPr lang="it-IT" sz="1200" dirty="0"/>
               <a:t>Construction: </a:t>
             </a:r>
             <a:r>
-              <a:rPr lang="it-IT" sz="1400" dirty="0" err="1"/>
+              <a:rPr lang="it-IT" sz="1200" dirty="0" err="1"/>
               <a:t>it</a:t>
             </a:r>
             <a:r>
-              <a:rPr lang="it-IT" sz="1400" dirty="0"/>
+              <a:rPr lang="it-IT" sz="1200" dirty="0"/>
               <a:t> </a:t>
             </a:r>
             <a:r>
-              <a:rPr lang="it-IT" sz="1400" dirty="0" err="1"/>
+              <a:rPr lang="it-IT" sz="1200" dirty="0" err="1"/>
               <a:t>contains</a:t>
             </a:r>
             <a:r>
-              <a:rPr lang="it-IT" sz="1400" dirty="0"/>
+              <a:rPr lang="it-IT" sz="1200" dirty="0"/>
               <a:t> </a:t>
             </a:r>
             <a:r>
-              <a:rPr lang="it-IT" sz="1400" dirty="0" err="1"/>
+              <a:rPr lang="it-IT" sz="1200" dirty="0" err="1"/>
               <a:t>all</a:t>
             </a:r>
             <a:r>
-              <a:rPr lang="it-IT" sz="1400" dirty="0"/>
+              <a:rPr lang="it-IT" sz="1200" dirty="0"/>
               <a:t> the </a:t>
             </a:r>
             <a:r>
-              <a:rPr lang="it-IT" sz="1400" dirty="0" err="1"/>
+              <a:rPr lang="it-IT" sz="1200" dirty="0" err="1"/>
               <a:t>permits</a:t>
             </a:r>
             <a:r>
-              <a:rPr lang="it-IT" sz="1400" dirty="0"/>
+              <a:rPr lang="it-IT" sz="1200" dirty="0"/>
               <a:t> of </a:t>
             </a:r>
             <a:r>
-              <a:rPr lang="it-IT" sz="1400" dirty="0" err="1"/>
+              <a:rPr lang="it-IT" sz="1200" dirty="0" err="1"/>
               <a:t>construction</a:t>
             </a:r>
             <a:r>
-              <a:rPr lang="it-IT" sz="1400" dirty="0"/>
+              <a:rPr lang="it-IT" sz="1200" dirty="0"/>
               <a:t> </a:t>
             </a:r>
             <a:r>
-              <a:rPr lang="it-IT" sz="1400" dirty="0" err="1"/>
+              <a:rPr lang="it-IT" sz="1200" dirty="0" err="1"/>
               <a:t>granted</a:t>
             </a:r>
             <a:r>
-              <a:rPr lang="it-IT" sz="1400" dirty="0"/>
+              <a:rPr lang="it-IT" sz="1200" dirty="0"/>
               <a:t> by the city of SF. </a:t>
             </a:r>
             <a:r>
-              <a:rPr lang="it-IT" sz="1400" dirty="0" err="1"/>
+              <a:rPr lang="it-IT" sz="1200" dirty="0" err="1"/>
               <a:t>We</a:t>
             </a:r>
             <a:r>
-              <a:rPr lang="it-IT" sz="1400" dirty="0"/>
+              <a:rPr lang="it-IT" sz="1200" dirty="0"/>
               <a:t> </a:t>
             </a:r>
             <a:r>
-              <a:rPr lang="it-IT" sz="1400" dirty="0" err="1"/>
+              <a:rPr lang="it-IT" sz="1200" dirty="0" err="1"/>
               <a:t>extracted</a:t>
             </a:r>
             <a:r>
-              <a:rPr lang="it-IT" sz="1400" dirty="0"/>
+              <a:rPr lang="it-IT" sz="1200" dirty="0"/>
               <a:t> the information </a:t>
             </a:r>
             <a:r>
-              <a:rPr lang="it-IT" sz="1400" dirty="0" err="1"/>
+              <a:rPr lang="it-IT" sz="1200" dirty="0" err="1"/>
               <a:t>regarding</a:t>
             </a:r>
             <a:r>
-              <a:rPr lang="it-IT" sz="1400" dirty="0"/>
+              <a:rPr lang="it-IT" sz="1200" dirty="0"/>
               <a:t> </a:t>
             </a:r>
             <a:r>
-              <a:rPr lang="it-IT" sz="1400" dirty="0" err="1"/>
+              <a:rPr lang="it-IT" sz="1200" dirty="0" err="1"/>
               <a:t>excusively</a:t>
             </a:r>
             <a:r>
-              <a:rPr lang="it-IT" sz="1400" dirty="0"/>
+              <a:rPr lang="it-IT" sz="1200" dirty="0"/>
               <a:t> housing buildings (with an </a:t>
             </a:r>
             <a:r>
-              <a:rPr lang="it-IT" sz="1400" dirty="0" err="1"/>
+              <a:rPr lang="it-IT" sz="1200" dirty="0" err="1"/>
               <a:t>increase</a:t>
             </a:r>
             <a:r>
-              <a:rPr lang="it-IT" sz="1400" dirty="0"/>
+              <a:rPr lang="it-IT" sz="1200" dirty="0"/>
               <a:t> of the </a:t>
             </a:r>
             <a:r>
-              <a:rPr lang="it-IT" sz="1400" dirty="0" err="1"/>
+              <a:rPr lang="it-IT" sz="1200" dirty="0" err="1"/>
               <a:t>units</a:t>
             </a:r>
             <a:r>
-              <a:rPr lang="it-IT" sz="1400" dirty="0"/>
+              <a:rPr lang="it-IT" sz="1200" dirty="0"/>
               <a:t>) in order to have an idea of the locations of the new </a:t>
             </a:r>
             <a:r>
-              <a:rPr lang="it-IT" sz="1400" dirty="0" err="1"/>
+              <a:rPr lang="it-IT" sz="1200" dirty="0" err="1"/>
               <a:t>houses</a:t>
             </a:r>
             <a:r>
-              <a:rPr lang="it-IT" sz="1400" dirty="0"/>
+              <a:rPr lang="it-IT" sz="1200" dirty="0"/>
               <a:t> </a:t>
             </a:r>
             <a:r>
-              <a:rPr lang="it-IT" sz="1400" dirty="0" err="1"/>
+              <a:rPr lang="it-IT" sz="1200" dirty="0" err="1"/>
               <a:t>built</a:t>
             </a:r>
             <a:r>
-              <a:rPr lang="it-IT" sz="1400" dirty="0"/>
+              <a:rPr lang="it-IT" sz="1200" dirty="0"/>
               <a:t> in the </a:t>
             </a:r>
             <a:r>
-              <a:rPr lang="it-IT" sz="1400" dirty="0" err="1"/>
+              <a:rPr lang="it-IT" sz="1200" dirty="0" err="1"/>
               <a:t>period</a:t>
             </a:r>
             <a:r>
-              <a:rPr lang="it-IT" sz="1400" dirty="0"/>
-              <a:t> of the study.</a:t>
-            </a:r>
+              <a:rPr lang="it-IT" sz="1200" dirty="0"/>
+              <a:t> of the study. </a:t>
+            </a:r>
+            <a:r>
+              <a:rPr lang="it-IT" sz="1200" dirty="0" err="1"/>
+              <a:t>It</a:t>
+            </a:r>
+            <a:r>
+              <a:rPr lang="it-IT" sz="1200" dirty="0"/>
+              <a:t> </a:t>
+            </a:r>
+            <a:r>
+              <a:rPr lang="it-IT" sz="1200" dirty="0" err="1"/>
+              <a:t>contains</a:t>
+            </a:r>
+            <a:r>
+              <a:rPr lang="it-IT" sz="1200" dirty="0"/>
+              <a:t> 4226 </a:t>
+            </a:r>
+            <a:r>
+              <a:rPr lang="it-IT" sz="1200" dirty="0" err="1"/>
+              <a:t>observations</a:t>
+            </a:r>
+            <a:endParaRPr lang="it-IT" sz="1200" dirty="0"/>
           </a:p>
         </p:txBody>
       </p:sp>
@@ -5255,7 +5308,7 @@
         <p:spPr>
           <a:xfrm>
             <a:off x="1646439" y="5148352"/>
-            <a:ext cx="5560406" cy="523220"/>
+            <a:ext cx="5560406" cy="461665"/>
           </a:xfrm>
           <a:prstGeom prst="rect">
             <a:avLst/>
@@ -5270,60 +5323,103 @@
           <a:p>
             <a:pPr algn="just"/>
             <a:r>
-              <a:rPr lang="it-IT" sz="1400" dirty="0" err="1"/>
+              <a:rPr lang="it-IT" sz="1200" dirty="0" err="1"/>
               <a:t>Parcels</a:t>
             </a:r>
             <a:r>
-              <a:rPr lang="it-IT" sz="1400" dirty="0"/>
+              <a:rPr lang="it-IT" sz="1200" dirty="0"/>
               <a:t>: </a:t>
             </a:r>
             <a:r>
-              <a:rPr lang="it-IT" sz="1400" dirty="0" err="1"/>
+              <a:rPr lang="it-IT" sz="1200" dirty="0" err="1"/>
               <a:t>it</a:t>
             </a:r>
             <a:r>
-              <a:rPr lang="it-IT" sz="1400" dirty="0"/>
+              <a:rPr lang="it-IT" sz="1200" dirty="0"/>
               <a:t> </a:t>
             </a:r>
             <a:r>
-              <a:rPr lang="it-IT" sz="1400" dirty="0" err="1"/>
+              <a:rPr lang="it-IT" sz="1200" dirty="0" err="1"/>
               <a:t>contains</a:t>
             </a:r>
             <a:r>
-              <a:rPr lang="it-IT" sz="1400" dirty="0"/>
+              <a:rPr lang="it-IT" sz="1200" dirty="0"/>
               <a:t> the </a:t>
             </a:r>
             <a:r>
-              <a:rPr lang="it-IT" sz="1400" dirty="0" err="1"/>
+              <a:rPr lang="it-IT" sz="1200" dirty="0" err="1"/>
               <a:t>coordinates</a:t>
             </a:r>
             <a:r>
-              <a:rPr lang="it-IT" sz="1400" dirty="0"/>
+              <a:rPr lang="it-IT" sz="1200" dirty="0"/>
               <a:t> of the </a:t>
             </a:r>
             <a:r>
-              <a:rPr lang="it-IT" sz="1400" dirty="0" err="1"/>
+              <a:rPr lang="it-IT" sz="1200" dirty="0" err="1"/>
               <a:t>residential</a:t>
             </a:r>
             <a:r>
-              <a:rPr lang="it-IT" sz="1400" dirty="0"/>
+              <a:rPr lang="it-IT" sz="1200" dirty="0"/>
               <a:t> </a:t>
             </a:r>
             <a:r>
-              <a:rPr lang="it-IT" sz="1400" dirty="0" err="1"/>
+              <a:rPr lang="it-IT" sz="1200" dirty="0" err="1"/>
               <a:t>parcels</a:t>
             </a:r>
             <a:r>
-              <a:rPr lang="it-IT" sz="1400" dirty="0"/>
+              <a:rPr lang="it-IT" sz="1200" dirty="0"/>
               <a:t> </a:t>
             </a:r>
             <a:r>
-              <a:rPr lang="it-IT" sz="1400" dirty="0" err="1"/>
+              <a:rPr lang="it-IT" sz="1200" dirty="0" err="1"/>
               <a:t>units</a:t>
             </a:r>
             <a:r>
-              <a:rPr lang="it-IT" sz="1400" dirty="0"/>
+              <a:rPr lang="it-IT" sz="1200" dirty="0"/>
               <a:t> in SF.</a:t>
+            </a:r>
+          </a:p>
+          <a:p>
+            <a:pPr algn="just"/>
+            <a:r>
+              <a:rPr lang="it-IT" sz="1200" dirty="0" err="1"/>
+              <a:t>It</a:t>
+            </a:r>
+            <a:r>
+              <a:rPr lang="it-IT" sz="1200" dirty="0"/>
+              <a:t> </a:t>
+            </a:r>
+            <a:r>
+              <a:rPr lang="it-IT" sz="1200" dirty="0" err="1"/>
+              <a:t>contains</a:t>
+            </a:r>
+            <a:r>
+              <a:rPr lang="it-IT" sz="1200" dirty="0"/>
+              <a:t> 114667 </a:t>
+            </a:r>
+            <a:r>
+              <a:rPr lang="it-IT" sz="1200" dirty="0" err="1"/>
+              <a:t>observations</a:t>
+            </a:r>
+            <a:r>
+              <a:rPr lang="it-IT" sz="1200" dirty="0"/>
+              <a:t> (i.e. </a:t>
+            </a:r>
+            <a:r>
+              <a:rPr lang="it-IT" sz="1200" dirty="0" err="1"/>
+              <a:t>there</a:t>
+            </a:r>
+            <a:r>
+              <a:rPr lang="it-IT" sz="1200" dirty="0"/>
+              <a:t> are 114667 </a:t>
+            </a:r>
+            <a:r>
+              <a:rPr lang="it-IT" sz="1200" dirty="0" err="1"/>
+              <a:t>parcels</a:t>
+            </a:r>
+            <a:r>
+              <a:rPr lang="it-IT" sz="1200" dirty="0"/>
+              <a:t> in SF</a:t>
             </a:r>
           </a:p>
         </p:txBody>
@@ -5343,7 +5439,7 @@
         <p:spPr>
           <a:xfrm>
             <a:off x="1660527" y="2874496"/>
-            <a:ext cx="5560406" cy="523220"/>
+            <a:ext cx="5560406" cy="830997"/>
           </a:xfrm>
           <a:prstGeom prst="rect">
             <a:avLst/>
@@ -5358,69 +5454,162 @@
           <a:p>
             <a:pPr algn="just"/>
             <a:r>
-              <a:rPr lang="it-IT" sz="1400" dirty="0" err="1"/>
+              <a:rPr lang="it-IT" sz="1200" dirty="0" err="1"/>
               <a:t>Evictions&amp;Buyout</a:t>
             </a:r>
             <a:r>
-              <a:rPr lang="it-IT" sz="1400" dirty="0"/>
+              <a:rPr lang="it-IT" sz="1200" dirty="0"/>
               <a:t>: </a:t>
             </a:r>
             <a:r>
-              <a:rPr lang="it-IT" sz="1400" dirty="0" err="1"/>
+              <a:rPr lang="it-IT" sz="1200" dirty="0" err="1"/>
               <a:t>it</a:t>
             </a:r>
             <a:r>
-              <a:rPr lang="it-IT" sz="1400" dirty="0"/>
+              <a:rPr lang="it-IT" sz="1200" dirty="0"/>
               <a:t> </a:t>
             </a:r>
             <a:r>
-              <a:rPr lang="it-IT" sz="1400" dirty="0" err="1"/>
+              <a:rPr lang="it-IT" sz="1200" dirty="0" err="1"/>
               <a:t>contains</a:t>
             </a:r>
             <a:r>
-              <a:rPr lang="it-IT" sz="1400" dirty="0"/>
+              <a:rPr lang="it-IT" sz="1200" dirty="0"/>
               <a:t> the information of the </a:t>
             </a:r>
             <a:r>
-              <a:rPr lang="it-IT" sz="1400" dirty="0" err="1"/>
+              <a:rPr lang="it-IT" sz="1200" dirty="0" err="1"/>
               <a:t>eviction</a:t>
             </a:r>
             <a:r>
-              <a:rPr lang="it-IT" sz="1400" dirty="0"/>
+              <a:rPr lang="it-IT" sz="1200" dirty="0"/>
               <a:t> </a:t>
             </a:r>
             <a:r>
-              <a:rPr lang="it-IT" sz="1400" dirty="0" err="1"/>
+              <a:rPr lang="it-IT" sz="1200" dirty="0" err="1"/>
               <a:t>notices</a:t>
             </a:r>
             <a:r>
-              <a:rPr lang="it-IT" sz="1400" dirty="0"/>
+              <a:rPr lang="it-IT" sz="1200" dirty="0"/>
               <a:t> and buyout agreements </a:t>
             </a:r>
             <a:r>
-              <a:rPr lang="it-IT" sz="1400" dirty="0" err="1"/>
+              <a:rPr lang="it-IT" sz="1200" dirty="0" err="1"/>
               <a:t>emitted</a:t>
             </a:r>
             <a:r>
-              <a:rPr lang="it-IT" sz="1400" dirty="0"/>
+              <a:rPr lang="it-IT" sz="1200" dirty="0"/>
               <a:t> in SF </a:t>
             </a:r>
             <a:r>
-              <a:rPr lang="it-IT" sz="1400" dirty="0" err="1"/>
+              <a:rPr lang="it-IT" sz="1200" dirty="0" err="1"/>
               <a:t>during</a:t>
             </a:r>
             <a:r>
-              <a:rPr lang="it-IT" sz="1400" dirty="0"/>
+              <a:rPr lang="it-IT" sz="1200" dirty="0"/>
               <a:t> the </a:t>
             </a:r>
             <a:r>
-              <a:rPr lang="it-IT" sz="1400" dirty="0" err="1"/>
+              <a:rPr lang="it-IT" sz="1200" dirty="0" err="1"/>
               <a:t>period</a:t>
             </a:r>
             <a:r>
-              <a:rPr lang="it-IT" sz="1400" dirty="0"/>
-              <a:t> of study.</a:t>
-            </a:r>
+              <a:rPr lang="it-IT" sz="1200" dirty="0"/>
+              <a:t> of study. </a:t>
+            </a:r>
+            <a:r>
+              <a:rPr lang="it-IT" sz="1200" dirty="0" err="1"/>
+              <a:t>It</a:t>
+            </a:r>
+            <a:r>
+              <a:rPr lang="it-IT" sz="1200" dirty="0"/>
+              <a:t> </a:t>
+            </a:r>
+            <a:r>
+              <a:rPr lang="it-IT" sz="1200" dirty="0" err="1"/>
+              <a:t>contains</a:t>
+            </a:r>
+            <a:r>
+              <a:rPr lang="it-IT" sz="1200" dirty="0"/>
+              <a:t> 448 </a:t>
+            </a:r>
+            <a:r>
+              <a:rPr lang="it-IT" sz="1200" dirty="0" err="1"/>
+              <a:t>observations</a:t>
+            </a:r>
+            <a:r>
+              <a:rPr lang="it-IT" sz="1200" dirty="0"/>
+              <a:t>, </a:t>
+            </a:r>
+            <a:r>
+              <a:rPr lang="it-IT" sz="1200" dirty="0" err="1"/>
+              <a:t>if</a:t>
+            </a:r>
+            <a:r>
+              <a:rPr lang="it-IT" sz="1200" dirty="0"/>
+              <a:t> </a:t>
+            </a:r>
+            <a:r>
+              <a:rPr lang="it-IT" sz="1200" dirty="0" err="1"/>
+              <a:t>grouped</a:t>
+            </a:r>
+            <a:r>
+              <a:rPr lang="it-IT" sz="1200" dirty="0"/>
+              <a:t> by </a:t>
+            </a:r>
+            <a:r>
+              <a:rPr lang="it-IT" sz="1200" dirty="0" err="1"/>
+              <a:t>nhood</a:t>
+            </a:r>
+            <a:r>
+              <a:rPr lang="it-IT" sz="1200" dirty="0"/>
+              <a:t> and </a:t>
+            </a:r>
+            <a:r>
+              <a:rPr lang="it-IT" sz="1200" dirty="0" err="1"/>
+              <a:t>year</a:t>
+            </a:r>
+            <a:r>
+              <a:rPr lang="it-IT" sz="1200" dirty="0"/>
+              <a:t>, or 3969 </a:t>
+            </a:r>
+            <a:r>
+              <a:rPr lang="it-IT" sz="1200" dirty="0" err="1"/>
+              <a:t>observations</a:t>
+            </a:r>
+            <a:r>
+              <a:rPr lang="it-IT" sz="1200" dirty="0"/>
+              <a:t> </a:t>
+            </a:r>
+            <a:r>
+              <a:rPr lang="it-IT" sz="1200" dirty="0" err="1"/>
+              <a:t>if</a:t>
+            </a:r>
+            <a:r>
+              <a:rPr lang="it-IT" sz="1200" dirty="0"/>
+              <a:t> </a:t>
+            </a:r>
+            <a:r>
+              <a:rPr lang="it-IT" sz="1200" dirty="0" err="1"/>
+              <a:t>grouped</a:t>
+            </a:r>
+            <a:r>
+              <a:rPr lang="it-IT" sz="1200" dirty="0"/>
+              <a:t> by </a:t>
+            </a:r>
+            <a:r>
+              <a:rPr lang="it-IT" sz="1200" dirty="0" err="1"/>
+              <a:t>nhood</a:t>
+            </a:r>
+            <a:r>
+              <a:rPr lang="it-IT" sz="1200" dirty="0"/>
+              <a:t> and </a:t>
+            </a:r>
+            <a:r>
+              <a:rPr lang="it-IT" sz="1200" dirty="0" err="1"/>
+              <a:t>month</a:t>
+            </a:r>
+            <a:endParaRPr lang="it-IT" sz="1200" dirty="0"/>
           </a:p>
         </p:txBody>
       </p:sp>
@@ -5516,7 +5705,7 @@
         <p:spPr>
           <a:xfrm>
             <a:off x="8050490" y="1611538"/>
-            <a:ext cx="2846896" cy="954107"/>
+            <a:ext cx="2846896" cy="830997"/>
           </a:xfrm>
           <a:prstGeom prst="rect">
             <a:avLst/>
@@ -5534,10 +5723,10 @@
               <a:buChar char="•"/>
             </a:pPr>
             <a:r>
-              <a:rPr lang="it-IT" sz="1400" dirty="0" err="1"/>
+              <a:rPr lang="it-IT" sz="1200" dirty="0" err="1"/>
               <a:t>Neighborhood</a:t>
             </a:r>
-            <a:endParaRPr lang="it-IT" sz="1400" dirty="0"/>
+            <a:endParaRPr lang="it-IT" sz="1200" dirty="0"/>
           </a:p>
           <a:p>
             <a:pPr marL="285750" indent="-285750">
@@ -5545,7 +5734,7 @@
               <a:buChar char="•"/>
             </a:pPr>
             <a:r>
-              <a:rPr lang="it-IT" sz="1400" dirty="0"/>
+              <a:rPr lang="it-IT" sz="1200" dirty="0"/>
               <a:t>Price/mq</a:t>
             </a:r>
           </a:p>
@@ -5555,7 +5744,7 @@
               <a:buChar char="•"/>
             </a:pPr>
             <a:r>
-              <a:rPr lang="it-IT" sz="1400" dirty="0"/>
+              <a:rPr lang="it-IT" sz="1200" dirty="0"/>
               <a:t>Date of the advertisement</a:t>
             </a:r>
           </a:p>
@@ -5565,15 +5754,15 @@
               <a:buChar char="•"/>
             </a:pPr>
             <a:r>
-              <a:rPr lang="it-IT" sz="1400" dirty="0"/>
+              <a:rPr lang="it-IT" sz="1200" dirty="0"/>
               <a:t># Beds, </a:t>
             </a:r>
             <a:r>
-              <a:rPr lang="it-IT" sz="1400" dirty="0" err="1"/>
+              <a:rPr lang="it-IT" sz="1200" dirty="0" err="1"/>
               <a:t>baths</a:t>
             </a:r>
             <a:r>
-              <a:rPr lang="it-IT" sz="1400" dirty="0"/>
+              <a:rPr lang="it-IT" sz="1200" dirty="0"/>
               <a:t> and rooms</a:t>
             </a:r>
           </a:p>
@@ -5594,7 +5783,7 @@
         <p:spPr>
           <a:xfrm>
             <a:off x="8050490" y="2587343"/>
-            <a:ext cx="2648932" cy="1169551"/>
+            <a:ext cx="2648932" cy="1015663"/>
           </a:xfrm>
           <a:prstGeom prst="rect">
             <a:avLst/>
@@ -5612,10 +5801,10 @@
               <a:buChar char="•"/>
             </a:pPr>
             <a:r>
-              <a:rPr lang="it-IT" sz="1400" dirty="0" err="1"/>
+              <a:rPr lang="it-IT" sz="1200" dirty="0" err="1"/>
               <a:t>Address</a:t>
             </a:r>
-            <a:endParaRPr lang="it-IT" sz="1400" dirty="0"/>
+            <a:endParaRPr lang="it-IT" sz="1200" dirty="0"/>
           </a:p>
           <a:p>
             <a:pPr marL="285750" indent="-285750">
@@ -5623,10 +5812,10 @@
               <a:buChar char="•"/>
             </a:pPr>
             <a:r>
-              <a:rPr lang="it-IT" sz="1400" dirty="0" err="1"/>
+              <a:rPr lang="it-IT" sz="1200" dirty="0" err="1"/>
               <a:t>Neighborhood</a:t>
             </a:r>
-            <a:endParaRPr lang="it-IT" sz="1400" dirty="0"/>
+            <a:endParaRPr lang="it-IT" sz="1200" dirty="0"/>
           </a:p>
           <a:p>
             <a:pPr marL="285750" indent="-285750">
@@ -5634,7 +5823,7 @@
               <a:buChar char="•"/>
             </a:pPr>
             <a:r>
-              <a:rPr lang="it-IT" sz="1400" dirty="0"/>
+              <a:rPr lang="it-IT" sz="1200" dirty="0"/>
               <a:t>Date</a:t>
             </a:r>
           </a:p>
@@ -5644,18 +5833,18 @@
               <a:buChar char="•"/>
             </a:pPr>
             <a:r>
-              <a:rPr lang="it-IT" sz="1400" dirty="0" err="1"/>
+              <a:rPr lang="it-IT" sz="1200" dirty="0" err="1"/>
               <a:t>Motivation</a:t>
             </a:r>
             <a:r>
-              <a:rPr lang="it-IT" sz="1400" dirty="0"/>
+              <a:rPr lang="it-IT" sz="1200" dirty="0"/>
               <a:t> of the </a:t>
             </a:r>
             <a:r>
-              <a:rPr lang="it-IT" sz="1400" dirty="0" err="1"/>
+              <a:rPr lang="it-IT" sz="1200" dirty="0" err="1"/>
               <a:t>eviction</a:t>
             </a:r>
-            <a:endParaRPr lang="it-IT" sz="1400" dirty="0"/>
+            <a:endParaRPr lang="it-IT" sz="1200" dirty="0"/>
           </a:p>
           <a:p>
             <a:pPr marL="285750" indent="-285750">
@@ -5663,14 +5852,14 @@
               <a:buChar char="•"/>
             </a:pPr>
             <a:r>
-              <a:rPr lang="it-IT" sz="1400" dirty="0"/>
+              <a:rPr lang="it-IT" sz="1200" dirty="0"/>
               <a:t>Buyout </a:t>
             </a:r>
             <a:r>
-              <a:rPr lang="it-IT" sz="1400" dirty="0" err="1"/>
+              <a:rPr lang="it-IT" sz="1200" dirty="0" err="1"/>
               <a:t>amount</a:t>
             </a:r>
-            <a:endParaRPr lang="it-IT" sz="1400" dirty="0"/>
+            <a:endParaRPr lang="it-IT" sz="1200" dirty="0"/>
           </a:p>
         </p:txBody>
       </p:sp>
@@ -5689,7 +5878,7 @@
         <p:spPr>
           <a:xfrm flipH="1">
             <a:off x="8050490" y="3837632"/>
-            <a:ext cx="2931735" cy="954107"/>
+            <a:ext cx="2931735" cy="830997"/>
           </a:xfrm>
           <a:prstGeom prst="rect">
             <a:avLst/>
@@ -5707,11 +5896,11 @@
               <a:buChar char="•"/>
             </a:pPr>
             <a:r>
-              <a:rPr lang="it-IT" sz="1400" dirty="0" err="1"/>
+              <a:rPr lang="it-IT" sz="1200" dirty="0" err="1"/>
               <a:t>Address</a:t>
             </a:r>
             <a:r>
-              <a:rPr lang="it-IT" sz="1400" dirty="0"/>
+              <a:rPr lang="it-IT" sz="1200" dirty="0"/>
               <a:t>   </a:t>
             </a:r>
           </a:p>
@@ -5721,15 +5910,15 @@
               <a:buChar char="•"/>
             </a:pPr>
             <a:r>
-              <a:rPr lang="it-IT" sz="1400" dirty="0"/>
+              <a:rPr lang="it-IT" sz="1200" dirty="0"/>
               <a:t>Date (of </a:t>
             </a:r>
             <a:r>
-              <a:rPr lang="it-IT" sz="1400" dirty="0" err="1"/>
+              <a:rPr lang="it-IT" sz="1200" dirty="0" err="1"/>
               <a:t>emission</a:t>
             </a:r>
             <a:r>
-              <a:rPr lang="it-IT" sz="1400" dirty="0"/>
+              <a:rPr lang="it-IT" sz="1200" dirty="0"/>
               <a:t>)</a:t>
             </a:r>
           </a:p>
@@ -5739,19 +5928,19 @@
               <a:buChar char="•"/>
             </a:pPr>
             <a:r>
-              <a:rPr lang="it-IT" sz="1400" dirty="0" err="1"/>
+              <a:rPr lang="it-IT" sz="1200" dirty="0" err="1"/>
               <a:t>Existing</a:t>
             </a:r>
             <a:r>
-              <a:rPr lang="it-IT" sz="1400" dirty="0"/>
+              <a:rPr lang="it-IT" sz="1200" dirty="0"/>
               <a:t> and </a:t>
             </a:r>
             <a:r>
-              <a:rPr lang="it-IT" sz="1400" dirty="0" err="1"/>
+              <a:rPr lang="it-IT" sz="1200" dirty="0" err="1"/>
               <a:t>proposed</a:t>
             </a:r>
             <a:r>
-              <a:rPr lang="it-IT" sz="1400" dirty="0"/>
+              <a:rPr lang="it-IT" sz="1200" dirty="0"/>
               <a:t> use</a:t>
             </a:r>
           </a:p>
@@ -5761,26 +5950,26 @@
               <a:buChar char="•"/>
             </a:pPr>
             <a:r>
-              <a:rPr lang="it-IT" sz="1400" dirty="0" err="1"/>
+              <a:rPr lang="it-IT" sz="1200" dirty="0" err="1"/>
               <a:t>Existing</a:t>
             </a:r>
             <a:r>
-              <a:rPr lang="it-IT" sz="1400" dirty="0"/>
+              <a:rPr lang="it-IT" sz="1200" dirty="0"/>
               <a:t> and </a:t>
             </a:r>
             <a:r>
-              <a:rPr lang="it-IT" sz="1400" dirty="0" err="1"/>
+              <a:rPr lang="it-IT" sz="1200" dirty="0" err="1"/>
               <a:t>proposed</a:t>
             </a:r>
             <a:r>
-              <a:rPr lang="it-IT" sz="1400" dirty="0"/>
+              <a:rPr lang="it-IT" sz="1200" dirty="0"/>
               <a:t> </a:t>
             </a:r>
             <a:r>
-              <a:rPr lang="it-IT" sz="1400" dirty="0" err="1"/>
+              <a:rPr lang="it-IT" sz="1200" dirty="0" err="1"/>
               <a:t>units</a:t>
             </a:r>
-            <a:endParaRPr lang="it-IT" sz="1400" dirty="0"/>
+            <a:endParaRPr lang="it-IT" sz="1200" dirty="0"/>
           </a:p>
         </p:txBody>
       </p:sp>
@@ -5799,7 +5988,7 @@
         <p:spPr>
           <a:xfrm>
             <a:off x="8050491" y="4970045"/>
-            <a:ext cx="3157980" cy="954107"/>
+            <a:ext cx="3157980" cy="830997"/>
           </a:xfrm>
           <a:prstGeom prst="rect">
             <a:avLst/>
@@ -5817,34 +6006,34 @@
               <a:buChar char="•"/>
             </a:pPr>
             <a:r>
-              <a:rPr lang="it-IT" sz="1400" dirty="0" err="1"/>
+              <a:rPr lang="it-IT" sz="1200" dirty="0" err="1"/>
               <a:t>Latitude</a:t>
             </a:r>
             <a:r>
-              <a:rPr lang="it-IT" sz="1400" dirty="0"/>
+              <a:rPr lang="it-IT" sz="1200" dirty="0"/>
               <a:t> and </a:t>
             </a:r>
             <a:r>
-              <a:rPr lang="it-IT" sz="1400" dirty="0" err="1"/>
+              <a:rPr lang="it-IT" sz="1200" dirty="0" err="1"/>
               <a:t>longitude</a:t>
             </a:r>
             <a:r>
-              <a:rPr lang="it-IT" sz="1400" dirty="0"/>
+              <a:rPr lang="it-IT" sz="1200" dirty="0"/>
               <a:t> of the </a:t>
             </a:r>
             <a:r>
-              <a:rPr lang="it-IT" sz="1400" dirty="0" err="1"/>
+              <a:rPr lang="it-IT" sz="1200" dirty="0" err="1"/>
               <a:t>vertices</a:t>
             </a:r>
             <a:r>
-              <a:rPr lang="it-IT" sz="1400" dirty="0"/>
+              <a:rPr lang="it-IT" sz="1200" dirty="0"/>
               <a:t> of the </a:t>
             </a:r>
             <a:r>
-              <a:rPr lang="it-IT" sz="1400" dirty="0" err="1"/>
+              <a:rPr lang="it-IT" sz="1200" dirty="0" err="1"/>
               <a:t>parcel</a:t>
             </a:r>
-            <a:endParaRPr lang="it-IT" sz="1400" dirty="0"/>
+            <a:endParaRPr lang="it-IT" sz="1200" dirty="0"/>
           </a:p>
           <a:p>
             <a:pPr marL="285750" indent="-285750">
@@ -5852,30 +6041,30 @@
               <a:buChar char="•"/>
             </a:pPr>
             <a:r>
-              <a:rPr lang="it-IT" sz="1400" dirty="0"/>
+              <a:rPr lang="it-IT" sz="1200" dirty="0"/>
               <a:t># </a:t>
             </a:r>
             <a:r>
-              <a:rPr lang="it-IT" sz="1400" dirty="0" err="1"/>
+              <a:rPr lang="it-IT" sz="1200" dirty="0" err="1"/>
               <a:t>houses</a:t>
             </a:r>
             <a:r>
-              <a:rPr lang="it-IT" sz="1400" dirty="0"/>
+              <a:rPr lang="it-IT" sz="1200" dirty="0"/>
               <a:t> for </a:t>
             </a:r>
             <a:r>
-              <a:rPr lang="it-IT" sz="1400" dirty="0" err="1"/>
+              <a:rPr lang="it-IT" sz="1200" dirty="0" err="1"/>
               <a:t>each</a:t>
             </a:r>
             <a:r>
-              <a:rPr lang="it-IT" sz="1400" dirty="0"/>
+              <a:rPr lang="it-IT" sz="1200" dirty="0"/>
               <a:t> </a:t>
             </a:r>
             <a:r>
-              <a:rPr lang="it-IT" sz="1400" dirty="0" err="1"/>
+              <a:rPr lang="it-IT" sz="1200" dirty="0" err="1"/>
               <a:t>parcel</a:t>
             </a:r>
-            <a:endParaRPr lang="it-IT" sz="1400" dirty="0"/>
+            <a:endParaRPr lang="it-IT" sz="1200" dirty="0"/>
           </a:p>
           <a:p>
             <a:pPr marL="285750" indent="-285750">
@@ -5883,18 +6072,18 @@
               <a:buChar char="•"/>
             </a:pPr>
             <a:r>
-              <a:rPr lang="it-IT" sz="1400" dirty="0" err="1"/>
+              <a:rPr lang="it-IT" sz="1200" dirty="0" err="1"/>
               <a:t>Year</a:t>
             </a:r>
             <a:r>
-              <a:rPr lang="it-IT" sz="1400" dirty="0"/>
+              <a:rPr lang="it-IT" sz="1200" dirty="0"/>
               <a:t> of </a:t>
             </a:r>
             <a:r>
-              <a:rPr lang="it-IT" sz="1400" dirty="0" err="1"/>
+              <a:rPr lang="it-IT" sz="1200" dirty="0" err="1"/>
               <a:t>construction</a:t>
             </a:r>
-            <a:endParaRPr lang="it-IT" sz="1400" dirty="0"/>
+            <a:endParaRPr lang="it-IT" sz="1200" dirty="0"/>
           </a:p>
         </p:txBody>
       </p:sp>

--- a/Prima Presentazione.pptx
+++ b/Prima Presentazione.pptx
@@ -5531,7 +5531,7 @@
             </a:r>
             <a:r>
               <a:rPr lang="it-IT" sz="1200" dirty="0"/>
-              <a:t> 448 </a:t>
+              <a:t> 289 </a:t>
             </a:r>
             <a:r>
               <a:rPr lang="it-IT" sz="1200" dirty="0" err="1"/>
@@ -5571,7 +5571,11 @@
             </a:r>
             <a:r>
               <a:rPr lang="it-IT" sz="1200" dirty="0"/>
-              <a:t>, or 3969 </a:t>
+              <a:t>, </a:t>
+            </a:r>
+            <a:r>
+              <a:rPr lang="it-IT" sz="1200"/>
+              <a:t>or 2251 </a:t>
             </a:r>
             <a:r>
               <a:rPr lang="it-IT" sz="1200" dirty="0" err="1"/>
@@ -5609,7 +5613,10 @@
               <a:rPr lang="it-IT" sz="1200" dirty="0" err="1"/>
               <a:t>month</a:t>
             </a:r>
-            <a:endParaRPr lang="it-IT" sz="1200" dirty="0"/>
+            <a:r>
+              <a:rPr lang="it-IT" sz="1200" dirty="0"/>
+              <a:t>, from 2011 to 2018</a:t>
+            </a:r>
           </a:p>
         </p:txBody>
       </p:sp>

--- a/Prima Presentazione.pptx
+++ b/Prima Presentazione.pptx
@@ -267,7 +267,7 @@
           <a:p>
             <a:fld id="{81B8F32D-D8B6-4B9E-9CBF-DCAC30B7B93D}" type="datetimeFigureOut">
               <a:rPr lang="en-US" smtClean="0"/>
-              <a:t>11/18/2022</a:t>
+              <a:t>11/19/2022</a:t>
             </a:fld>
             <a:endParaRPr lang="en-US"/>
           </a:p>
@@ -583,7 +583,7 @@
           <a:p>
             <a:fld id="{81B8F32D-D8B6-4B9E-9CBF-DCAC30B7B93D}" type="datetimeFigureOut">
               <a:rPr lang="en-US" smtClean="0"/>
-              <a:t>11/18/2022</a:t>
+              <a:t>11/19/2022</a:t>
             </a:fld>
             <a:endParaRPr lang="en-US"/>
           </a:p>
@@ -888,7 +888,7 @@
           <a:p>
             <a:fld id="{81B8F32D-D8B6-4B9E-9CBF-DCAC30B7B93D}" type="datetimeFigureOut">
               <a:rPr lang="en-US" smtClean="0"/>
-              <a:t>11/18/2022</a:t>
+              <a:t>11/19/2022</a:t>
             </a:fld>
             <a:endParaRPr lang="en-US"/>
           </a:p>
@@ -1095,7 +1095,7 @@
           <a:p>
             <a:fld id="{81B8F32D-D8B6-4B9E-9CBF-DCAC30B7B93D}" type="datetimeFigureOut">
               <a:rPr lang="en-US" smtClean="0"/>
-              <a:t>11/18/2022</a:t>
+              <a:t>11/19/2022</a:t>
             </a:fld>
             <a:endParaRPr lang="en-US"/>
           </a:p>
@@ -1443,7 +1443,7 @@
           <a:p>
             <a:fld id="{81B8F32D-D8B6-4B9E-9CBF-DCAC30B7B93D}" type="datetimeFigureOut">
               <a:rPr lang="en-US" smtClean="0"/>
-              <a:t>11/18/2022</a:t>
+              <a:t>11/19/2022</a:t>
             </a:fld>
             <a:endParaRPr lang="en-US"/>
           </a:p>
@@ -1914,7 +1914,7 @@
           <a:p>
             <a:fld id="{81B8F32D-D8B6-4B9E-9CBF-DCAC30B7B93D}" type="datetimeFigureOut">
               <a:rPr lang="en-US" smtClean="0"/>
-              <a:t>11/18/2022</a:t>
+              <a:t>11/19/2022</a:t>
             </a:fld>
             <a:endParaRPr lang="en-US"/>
           </a:p>
@@ -2449,7 +2449,7 @@
           <a:p>
             <a:fld id="{81B8F32D-D8B6-4B9E-9CBF-DCAC30B7B93D}" type="datetimeFigureOut">
               <a:rPr lang="en-US" smtClean="0"/>
-              <a:t>11/18/2022</a:t>
+              <a:t>11/19/2022</a:t>
             </a:fld>
             <a:endParaRPr lang="en-US"/>
           </a:p>
@@ -2666,7 +2666,7 @@
           <a:p>
             <a:fld id="{81B8F32D-D8B6-4B9E-9CBF-DCAC30B7B93D}" type="datetimeFigureOut">
               <a:rPr lang="en-US" smtClean="0"/>
-              <a:t>11/18/2022</a:t>
+              <a:t>11/19/2022</a:t>
             </a:fld>
             <a:endParaRPr lang="en-US"/>
           </a:p>
@@ -2871,7 +2871,7 @@
           <a:p>
             <a:fld id="{81B8F32D-D8B6-4B9E-9CBF-DCAC30B7B93D}" type="datetimeFigureOut">
               <a:rPr lang="en-US" smtClean="0"/>
-              <a:t>11/18/2022</a:t>
+              <a:t>11/19/2022</a:t>
             </a:fld>
             <a:endParaRPr lang="en-US"/>
           </a:p>
@@ -3201,7 +3201,7 @@
           <a:p>
             <a:fld id="{81B8F32D-D8B6-4B9E-9CBF-DCAC30B7B93D}" type="datetimeFigureOut">
               <a:rPr lang="en-US" smtClean="0"/>
-              <a:t>11/18/2022</a:t>
+              <a:t>11/19/2022</a:t>
             </a:fld>
             <a:endParaRPr lang="en-US"/>
           </a:p>
@@ -3511,7 +3511,7 @@
           <a:p>
             <a:fld id="{81B8F32D-D8B6-4B9E-9CBF-DCAC30B7B93D}" type="datetimeFigureOut">
               <a:rPr lang="en-US" smtClean="0"/>
-              <a:t>11/18/2022</a:t>
+              <a:t>11/19/2022</a:t>
             </a:fld>
             <a:endParaRPr lang="en-US"/>
           </a:p>
@@ -3752,7 +3752,7 @@
             <a:fld id="{81B8F32D-D8B6-4B9E-9CBF-DCAC30B7B93D}" type="datetimeFigureOut">
               <a:rPr lang="en-US" smtClean="0"/>
               <a:pPr/>
-              <a:t>11/18/2022</a:t>
+              <a:t>11/19/2022</a:t>
             </a:fld>
             <a:endParaRPr lang="en-US" dirty="0"/>
           </a:p>
@@ -5131,7 +5131,7 @@
         <p:spPr>
           <a:xfrm>
             <a:off x="1646439" y="3770104"/>
-            <a:ext cx="5560406" cy="830997"/>
+            <a:ext cx="5560406" cy="1015663"/>
           </a:xfrm>
           <a:prstGeom prst="rect">
             <a:avLst/>
@@ -5289,7 +5289,34 @@
               <a:rPr lang="it-IT" sz="1200" dirty="0" err="1"/>
               <a:t>observations</a:t>
             </a:r>
-            <a:endParaRPr lang="it-IT" sz="1200" dirty="0"/>
+            <a:r>
+              <a:rPr lang="it-IT" sz="1200" dirty="0"/>
+              <a:t> from 2007 to 2018 (</a:t>
+            </a:r>
+            <a:r>
+              <a:rPr lang="it-IT" sz="1200" dirty="0" err="1"/>
+              <a:t>also</a:t>
+            </a:r>
+            <a:r>
+              <a:rPr lang="it-IT" sz="1200" dirty="0"/>
+              <a:t> </a:t>
+            </a:r>
+            <a:r>
+              <a:rPr lang="it-IT" sz="1200" dirty="0" err="1"/>
+              <a:t>older</a:t>
+            </a:r>
+            <a:r>
+              <a:rPr lang="it-IT" sz="1200" dirty="0"/>
+              <a:t> data are </a:t>
+            </a:r>
+            <a:r>
+              <a:rPr lang="it-IT" sz="1200" dirty="0" err="1"/>
+              <a:t>avalaible</a:t>
+            </a:r>
+            <a:r>
+              <a:rPr lang="it-IT" sz="1200" dirty="0"/>
+              <a:t>)</a:t>
+            </a:r>
           </a:p>
         </p:txBody>
       </p:sp>
@@ -5970,7 +5997,7 @@
             </a:r>
             <a:r>
               <a:rPr lang="it-IT" sz="1200" dirty="0"/>
-              <a:t> </a:t>
+              <a:t> housing </a:t>
             </a:r>
             <a:r>
               <a:rPr lang="it-IT" sz="1200" dirty="0" err="1"/>

--- a/Prima Presentazione.pptx
+++ b/Prima Presentazione.pptx
@@ -267,7 +267,7 @@
           <a:p>
             <a:fld id="{81B8F32D-D8B6-4B9E-9CBF-DCAC30B7B93D}" type="datetimeFigureOut">
               <a:rPr lang="en-US" smtClean="0"/>
-              <a:t>11/19/2022</a:t>
+              <a:t>11/20/2022</a:t>
             </a:fld>
             <a:endParaRPr lang="en-US"/>
           </a:p>
@@ -583,7 +583,7 @@
           <a:p>
             <a:fld id="{81B8F32D-D8B6-4B9E-9CBF-DCAC30B7B93D}" type="datetimeFigureOut">
               <a:rPr lang="en-US" smtClean="0"/>
-              <a:t>11/19/2022</a:t>
+              <a:t>11/20/2022</a:t>
             </a:fld>
             <a:endParaRPr lang="en-US"/>
           </a:p>
@@ -888,7 +888,7 @@
           <a:p>
             <a:fld id="{81B8F32D-D8B6-4B9E-9CBF-DCAC30B7B93D}" type="datetimeFigureOut">
               <a:rPr lang="en-US" smtClean="0"/>
-              <a:t>11/19/2022</a:t>
+              <a:t>11/20/2022</a:t>
             </a:fld>
             <a:endParaRPr lang="en-US"/>
           </a:p>
@@ -1095,7 +1095,7 @@
           <a:p>
             <a:fld id="{81B8F32D-D8B6-4B9E-9CBF-DCAC30B7B93D}" type="datetimeFigureOut">
               <a:rPr lang="en-US" smtClean="0"/>
-              <a:t>11/19/2022</a:t>
+              <a:t>11/20/2022</a:t>
             </a:fld>
             <a:endParaRPr lang="en-US"/>
           </a:p>
@@ -1443,7 +1443,7 @@
           <a:p>
             <a:fld id="{81B8F32D-D8B6-4B9E-9CBF-DCAC30B7B93D}" type="datetimeFigureOut">
               <a:rPr lang="en-US" smtClean="0"/>
-              <a:t>11/19/2022</a:t>
+              <a:t>11/20/2022</a:t>
             </a:fld>
             <a:endParaRPr lang="en-US"/>
           </a:p>
@@ -1914,7 +1914,7 @@
           <a:p>
             <a:fld id="{81B8F32D-D8B6-4B9E-9CBF-DCAC30B7B93D}" type="datetimeFigureOut">
               <a:rPr lang="en-US" smtClean="0"/>
-              <a:t>11/19/2022</a:t>
+              <a:t>11/20/2022</a:t>
             </a:fld>
             <a:endParaRPr lang="en-US"/>
           </a:p>
@@ -2449,7 +2449,7 @@
           <a:p>
             <a:fld id="{81B8F32D-D8B6-4B9E-9CBF-DCAC30B7B93D}" type="datetimeFigureOut">
               <a:rPr lang="en-US" smtClean="0"/>
-              <a:t>11/19/2022</a:t>
+              <a:t>11/20/2022</a:t>
             </a:fld>
             <a:endParaRPr lang="en-US"/>
           </a:p>
@@ -2666,7 +2666,7 @@
           <a:p>
             <a:fld id="{81B8F32D-D8B6-4B9E-9CBF-DCAC30B7B93D}" type="datetimeFigureOut">
               <a:rPr lang="en-US" smtClean="0"/>
-              <a:t>11/19/2022</a:t>
+              <a:t>11/20/2022</a:t>
             </a:fld>
             <a:endParaRPr lang="en-US"/>
           </a:p>
@@ -2871,7 +2871,7 @@
           <a:p>
             <a:fld id="{81B8F32D-D8B6-4B9E-9CBF-DCAC30B7B93D}" type="datetimeFigureOut">
               <a:rPr lang="en-US" smtClean="0"/>
-              <a:t>11/19/2022</a:t>
+              <a:t>11/20/2022</a:t>
             </a:fld>
             <a:endParaRPr lang="en-US"/>
           </a:p>
@@ -3201,7 +3201,7 @@
           <a:p>
             <a:fld id="{81B8F32D-D8B6-4B9E-9CBF-DCAC30B7B93D}" type="datetimeFigureOut">
               <a:rPr lang="en-US" smtClean="0"/>
-              <a:t>11/19/2022</a:t>
+              <a:t>11/20/2022</a:t>
             </a:fld>
             <a:endParaRPr lang="en-US"/>
           </a:p>
@@ -3511,7 +3511,7 @@
           <a:p>
             <a:fld id="{81B8F32D-D8B6-4B9E-9CBF-DCAC30B7B93D}" type="datetimeFigureOut">
               <a:rPr lang="en-US" smtClean="0"/>
-              <a:t>11/19/2022</a:t>
+              <a:t>11/20/2022</a:t>
             </a:fld>
             <a:endParaRPr lang="en-US"/>
           </a:p>
@@ -3752,7 +3752,7 @@
             <a:fld id="{81B8F32D-D8B6-4B9E-9CBF-DCAC30B7B93D}" type="datetimeFigureOut">
               <a:rPr lang="en-US" smtClean="0"/>
               <a:pPr/>
-              <a:t>11/19/2022</a:t>
+              <a:t>11/20/2022</a:t>
             </a:fld>
             <a:endParaRPr lang="en-US" dirty="0"/>
           </a:p>
@@ -5465,7 +5465,7 @@
         </p:nvSpPr>
         <p:spPr>
           <a:xfrm>
-            <a:off x="1660527" y="2874496"/>
+            <a:off x="1660527" y="2782550"/>
             <a:ext cx="5560406" cy="830997"/>
           </a:xfrm>
           <a:prstGeom prst="rect">
@@ -5558,7 +5558,7 @@
             </a:r>
             <a:r>
               <a:rPr lang="it-IT" sz="1200" dirty="0"/>
-              <a:t> 289 </a:t>
+              <a:t> 35931 </a:t>
             </a:r>
             <a:r>
               <a:rPr lang="it-IT" sz="1200" dirty="0" err="1"/>
@@ -5566,6 +5566,30 @@
             </a:r>
             <a:r>
               <a:rPr lang="it-IT" sz="1200" dirty="0"/>
+              <a:t> </a:t>
+            </a:r>
+            <a:r>
+              <a:rPr lang="it-IT" sz="1200" dirty="0" err="1"/>
+              <a:t>that</a:t>
+            </a:r>
+            <a:r>
+              <a:rPr lang="it-IT" sz="1200" dirty="0"/>
+              <a:t> </a:t>
+            </a:r>
+            <a:r>
+              <a:rPr lang="it-IT" sz="1200" dirty="0" err="1"/>
+              <a:t>you</a:t>
+            </a:r>
+            <a:r>
+              <a:rPr lang="it-IT" sz="1200" dirty="0"/>
+              <a:t> can group in 289 </a:t>
+            </a:r>
+            <a:r>
+              <a:rPr lang="it-IT" sz="1200" dirty="0" err="1"/>
+              <a:t>observations</a:t>
+            </a:r>
+            <a:r>
+              <a:rPr lang="it-IT" sz="1200" dirty="0"/>
               <a:t>, </a:t>
             </a:r>
             <a:r>
@@ -5598,11 +5622,7 @@
             </a:r>
             <a:r>
               <a:rPr lang="it-IT" sz="1200" dirty="0"/>
-              <a:t>, </a:t>
-            </a:r>
-            <a:r>
-              <a:rPr lang="it-IT" sz="1200"/>
-              <a:t>or 2251 </a:t>
+              <a:t>, or 2251 </a:t>
             </a:r>
             <a:r>
               <a:rPr lang="it-IT" sz="1200" dirty="0" err="1"/>
